--- a/Bootstrap and jQuery/Lec_01.pptx
+++ b/Bootstrap and jQuery/Lec_01.pptx
@@ -4,15 +4,21 @@
   <p:sldMasterIdLst>
     <p:sldMasterId id="2147483660" r:id="rId1"/>
   </p:sldMasterIdLst>
+  <p:notesMasterIdLst>
+    <p:notesMasterId r:id="rId13"/>
+  </p:notesMasterIdLst>
   <p:sldIdLst>
     <p:sldId id="256" r:id="rId2"/>
     <p:sldId id="258" r:id="rId3"/>
     <p:sldId id="259" r:id="rId4"/>
     <p:sldId id="260" r:id="rId5"/>
-    <p:sldId id="261" r:id="rId6"/>
-    <p:sldId id="263" r:id="rId7"/>
-    <p:sldId id="262" r:id="rId8"/>
+    <p:sldId id="263" r:id="rId6"/>
+    <p:sldId id="262" r:id="rId7"/>
+    <p:sldId id="265" r:id="rId8"/>
     <p:sldId id="264" r:id="rId9"/>
+    <p:sldId id="266" r:id="rId10"/>
+    <p:sldId id="261" r:id="rId11"/>
+    <p:sldId id="267" r:id="rId12"/>
   </p:sldIdLst>
   <p:sldSz cx="12192000" cy="6858000"/>
   <p:notesSz cx="6858000" cy="9144000"/>
@@ -119,6 +125,439 @@
 </p:presentation>
 </file>
 
+<file path=ppt/notesMasters/notesMaster1.xml><?xml version="1.0" encoding="utf-8"?>
+<p:notesMaster xmlns:a="http://schemas.openxmlformats.org/drawingml/2006/main" xmlns:r="http://schemas.openxmlformats.org/officeDocument/2006/relationships" xmlns:p="http://schemas.openxmlformats.org/presentationml/2006/main">
+  <p:cSld>
+    <p:bg>
+      <p:bgRef idx="1001">
+        <a:schemeClr val="bg1"/>
+      </p:bgRef>
+    </p:bg>
+    <p:spTree>
+      <p:nvGrpSpPr>
+        <p:cNvPr id="1" name=""/>
+        <p:cNvGrpSpPr/>
+        <p:nvPr/>
+      </p:nvGrpSpPr>
+      <p:grpSpPr>
+        <a:xfrm>
+          <a:off x="0" y="0"/>
+          <a:ext cx="0" cy="0"/>
+          <a:chOff x="0" y="0"/>
+          <a:chExt cx="0" cy="0"/>
+        </a:xfrm>
+      </p:grpSpPr>
+      <p:sp>
+        <p:nvSpPr>
+          <p:cNvPr id="2" name="Header Placeholder 1"/>
+          <p:cNvSpPr>
+            <a:spLocks noGrp="1"/>
+          </p:cNvSpPr>
+          <p:nvPr>
+            <p:ph type="hdr" sz="quarter"/>
+          </p:nvPr>
+        </p:nvSpPr>
+        <p:spPr>
+          <a:xfrm>
+            <a:off x="0" y="0"/>
+            <a:ext cx="2971800" cy="458788"/>
+          </a:xfrm>
+          <a:prstGeom prst="rect">
+            <a:avLst/>
+          </a:prstGeom>
+        </p:spPr>
+        <p:txBody>
+          <a:bodyPr vert="horz" lIns="91440" tIns="45720" rIns="91440" bIns="45720" rtlCol="0"/>
+          <a:lstStyle>
+            <a:lvl1pPr algn="l">
+              <a:defRPr sz="1200"/>
+            </a:lvl1pPr>
+          </a:lstStyle>
+          <a:p>
+            <a:endParaRPr lang="en-US"/>
+          </a:p>
+        </p:txBody>
+      </p:sp>
+      <p:sp>
+        <p:nvSpPr>
+          <p:cNvPr id="3" name="Date Placeholder 2"/>
+          <p:cNvSpPr>
+            <a:spLocks noGrp="1"/>
+          </p:cNvSpPr>
+          <p:nvPr>
+            <p:ph type="dt" idx="1"/>
+          </p:nvPr>
+        </p:nvSpPr>
+        <p:spPr>
+          <a:xfrm>
+            <a:off x="3884613" y="0"/>
+            <a:ext cx="2971800" cy="458788"/>
+          </a:xfrm>
+          <a:prstGeom prst="rect">
+            <a:avLst/>
+          </a:prstGeom>
+        </p:spPr>
+        <p:txBody>
+          <a:bodyPr vert="horz" lIns="91440" tIns="45720" rIns="91440" bIns="45720" rtlCol="0"/>
+          <a:lstStyle>
+            <a:lvl1pPr algn="r">
+              <a:defRPr sz="1200"/>
+            </a:lvl1pPr>
+          </a:lstStyle>
+          <a:p>
+            <a:fld id="{F6D1CB12-59D7-4DC5-BD1A-FB6830CADD8A}" type="datetimeFigureOut">
+              <a:rPr lang="en-US" smtClean="0"/>
+              <a:t>2/27/2026</a:t>
+            </a:fld>
+            <a:endParaRPr lang="en-US"/>
+          </a:p>
+        </p:txBody>
+      </p:sp>
+      <p:sp>
+        <p:nvSpPr>
+          <p:cNvPr id="4" name="Slide Image Placeholder 3"/>
+          <p:cNvSpPr>
+            <a:spLocks noGrp="1" noRot="1" noChangeAspect="1"/>
+          </p:cNvSpPr>
+          <p:nvPr>
+            <p:ph type="sldImg" idx="2"/>
+          </p:nvPr>
+        </p:nvSpPr>
+        <p:spPr>
+          <a:xfrm>
+            <a:off x="685800" y="1143000"/>
+            <a:ext cx="5486400" cy="3086100"/>
+          </a:xfrm>
+          <a:prstGeom prst="rect">
+            <a:avLst/>
+          </a:prstGeom>
+          <a:noFill/>
+          <a:ln w="12700">
+            <a:solidFill>
+              <a:prstClr val="black"/>
+            </a:solidFill>
+          </a:ln>
+        </p:spPr>
+        <p:txBody>
+          <a:bodyPr vert="horz" lIns="91440" tIns="45720" rIns="91440" bIns="45720" rtlCol="0" anchor="ctr"/>
+          <a:lstStyle/>
+          <a:p>
+            <a:endParaRPr lang="en-US"/>
+          </a:p>
+        </p:txBody>
+      </p:sp>
+      <p:sp>
+        <p:nvSpPr>
+          <p:cNvPr id="5" name="Notes Placeholder 4"/>
+          <p:cNvSpPr>
+            <a:spLocks noGrp="1"/>
+          </p:cNvSpPr>
+          <p:nvPr>
+            <p:ph type="body" sz="quarter" idx="3"/>
+          </p:nvPr>
+        </p:nvSpPr>
+        <p:spPr>
+          <a:xfrm>
+            <a:off x="685800" y="4400550"/>
+            <a:ext cx="5486400" cy="3600450"/>
+          </a:xfrm>
+          <a:prstGeom prst="rect">
+            <a:avLst/>
+          </a:prstGeom>
+        </p:spPr>
+        <p:txBody>
+          <a:bodyPr vert="horz" lIns="91440" tIns="45720" rIns="91440" bIns="45720" rtlCol="0"/>
+          <a:lstStyle/>
+          <a:p>
+            <a:pPr lvl="0"/>
+            <a:r>
+              <a:rPr lang="en-US"/>
+              <a:t>Click to edit Master text styles</a:t>
+            </a:r>
+          </a:p>
+          <a:p>
+            <a:pPr lvl="1"/>
+            <a:r>
+              <a:rPr lang="en-US"/>
+              <a:t>Second level</a:t>
+            </a:r>
+          </a:p>
+          <a:p>
+            <a:pPr lvl="2"/>
+            <a:r>
+              <a:rPr lang="en-US"/>
+              <a:t>Third level</a:t>
+            </a:r>
+          </a:p>
+          <a:p>
+            <a:pPr lvl="3"/>
+            <a:r>
+              <a:rPr lang="en-US"/>
+              <a:t>Fourth level</a:t>
+            </a:r>
+          </a:p>
+          <a:p>
+            <a:pPr lvl="4"/>
+            <a:r>
+              <a:rPr lang="en-US"/>
+              <a:t>Fifth level</a:t>
+            </a:r>
+          </a:p>
+        </p:txBody>
+      </p:sp>
+      <p:sp>
+        <p:nvSpPr>
+          <p:cNvPr id="6" name="Footer Placeholder 5"/>
+          <p:cNvSpPr>
+            <a:spLocks noGrp="1"/>
+          </p:cNvSpPr>
+          <p:nvPr>
+            <p:ph type="ftr" sz="quarter" idx="4"/>
+          </p:nvPr>
+        </p:nvSpPr>
+        <p:spPr>
+          <a:xfrm>
+            <a:off x="0" y="8685213"/>
+            <a:ext cx="2971800" cy="458787"/>
+          </a:xfrm>
+          <a:prstGeom prst="rect">
+            <a:avLst/>
+          </a:prstGeom>
+        </p:spPr>
+        <p:txBody>
+          <a:bodyPr vert="horz" lIns="91440" tIns="45720" rIns="91440" bIns="45720" rtlCol="0" anchor="b"/>
+          <a:lstStyle>
+            <a:lvl1pPr algn="l">
+              <a:defRPr sz="1200"/>
+            </a:lvl1pPr>
+          </a:lstStyle>
+          <a:p>
+            <a:endParaRPr lang="en-US"/>
+          </a:p>
+        </p:txBody>
+      </p:sp>
+      <p:sp>
+        <p:nvSpPr>
+          <p:cNvPr id="7" name="Slide Number Placeholder 6"/>
+          <p:cNvSpPr>
+            <a:spLocks noGrp="1"/>
+          </p:cNvSpPr>
+          <p:nvPr>
+            <p:ph type="sldNum" sz="quarter" idx="5"/>
+          </p:nvPr>
+        </p:nvSpPr>
+        <p:spPr>
+          <a:xfrm>
+            <a:off x="3884613" y="8685213"/>
+            <a:ext cx="2971800" cy="458787"/>
+          </a:xfrm>
+          <a:prstGeom prst="rect">
+            <a:avLst/>
+          </a:prstGeom>
+        </p:spPr>
+        <p:txBody>
+          <a:bodyPr vert="horz" lIns="91440" tIns="45720" rIns="91440" bIns="45720" rtlCol="0" anchor="b"/>
+          <a:lstStyle>
+            <a:lvl1pPr algn="r">
+              <a:defRPr sz="1200"/>
+            </a:lvl1pPr>
+          </a:lstStyle>
+          <a:p>
+            <a:fld id="{476AABEC-6A39-432E-945B-4B5566EB471A}" type="slidenum">
+              <a:rPr lang="en-US" smtClean="0"/>
+              <a:t>‹#›</a:t>
+            </a:fld>
+            <a:endParaRPr lang="en-US"/>
+          </a:p>
+        </p:txBody>
+      </p:sp>
+    </p:spTree>
+    <p:extLst>
+      <p:ext uri="{BB962C8B-B14F-4D97-AF65-F5344CB8AC3E}">
+        <p14:creationId xmlns:p14="http://schemas.microsoft.com/office/powerpoint/2010/main" val="917427199"/>
+      </p:ext>
+    </p:extLst>
+  </p:cSld>
+  <p:clrMap bg1="lt1" tx1="dk1" bg2="lt2" tx2="dk2" accent1="accent1" accent2="accent2" accent3="accent3" accent4="accent4" accent5="accent5" accent6="accent6" hlink="hlink" folHlink="folHlink"/>
+  <p:notesStyle>
+    <a:lvl1pPr marL="0" algn="l" defTabSz="914400" rtl="0" eaLnBrk="1" latinLnBrk="0" hangingPunct="1">
+      <a:defRPr sz="1200" kern="1200">
+        <a:solidFill>
+          <a:schemeClr val="tx1"/>
+        </a:solidFill>
+        <a:latin typeface="+mn-lt"/>
+        <a:ea typeface="+mn-ea"/>
+        <a:cs typeface="+mn-cs"/>
+      </a:defRPr>
+    </a:lvl1pPr>
+    <a:lvl2pPr marL="457200" algn="l" defTabSz="914400" rtl="0" eaLnBrk="1" latinLnBrk="0" hangingPunct="1">
+      <a:defRPr sz="1200" kern="1200">
+        <a:solidFill>
+          <a:schemeClr val="tx1"/>
+        </a:solidFill>
+        <a:latin typeface="+mn-lt"/>
+        <a:ea typeface="+mn-ea"/>
+        <a:cs typeface="+mn-cs"/>
+      </a:defRPr>
+    </a:lvl2pPr>
+    <a:lvl3pPr marL="914400" algn="l" defTabSz="914400" rtl="0" eaLnBrk="1" latinLnBrk="0" hangingPunct="1">
+      <a:defRPr sz="1200" kern="1200">
+        <a:solidFill>
+          <a:schemeClr val="tx1"/>
+        </a:solidFill>
+        <a:latin typeface="+mn-lt"/>
+        <a:ea typeface="+mn-ea"/>
+        <a:cs typeface="+mn-cs"/>
+      </a:defRPr>
+    </a:lvl3pPr>
+    <a:lvl4pPr marL="1371600" algn="l" defTabSz="914400" rtl="0" eaLnBrk="1" latinLnBrk="0" hangingPunct="1">
+      <a:defRPr sz="1200" kern="1200">
+        <a:solidFill>
+          <a:schemeClr val="tx1"/>
+        </a:solidFill>
+        <a:latin typeface="+mn-lt"/>
+        <a:ea typeface="+mn-ea"/>
+        <a:cs typeface="+mn-cs"/>
+      </a:defRPr>
+    </a:lvl4pPr>
+    <a:lvl5pPr marL="1828800" algn="l" defTabSz="914400" rtl="0" eaLnBrk="1" latinLnBrk="0" hangingPunct="1">
+      <a:defRPr sz="1200" kern="1200">
+        <a:solidFill>
+          <a:schemeClr val="tx1"/>
+        </a:solidFill>
+        <a:latin typeface="+mn-lt"/>
+        <a:ea typeface="+mn-ea"/>
+        <a:cs typeface="+mn-cs"/>
+      </a:defRPr>
+    </a:lvl5pPr>
+    <a:lvl6pPr marL="2286000" algn="l" defTabSz="914400" rtl="0" eaLnBrk="1" latinLnBrk="0" hangingPunct="1">
+      <a:defRPr sz="1200" kern="1200">
+        <a:solidFill>
+          <a:schemeClr val="tx1"/>
+        </a:solidFill>
+        <a:latin typeface="+mn-lt"/>
+        <a:ea typeface="+mn-ea"/>
+        <a:cs typeface="+mn-cs"/>
+      </a:defRPr>
+    </a:lvl6pPr>
+    <a:lvl7pPr marL="2743200" algn="l" defTabSz="914400" rtl="0" eaLnBrk="1" latinLnBrk="0" hangingPunct="1">
+      <a:defRPr sz="1200" kern="1200">
+        <a:solidFill>
+          <a:schemeClr val="tx1"/>
+        </a:solidFill>
+        <a:latin typeface="+mn-lt"/>
+        <a:ea typeface="+mn-ea"/>
+        <a:cs typeface="+mn-cs"/>
+      </a:defRPr>
+    </a:lvl7pPr>
+    <a:lvl8pPr marL="3200400" algn="l" defTabSz="914400" rtl="0" eaLnBrk="1" latinLnBrk="0" hangingPunct="1">
+      <a:defRPr sz="1200" kern="1200">
+        <a:solidFill>
+          <a:schemeClr val="tx1"/>
+        </a:solidFill>
+        <a:latin typeface="+mn-lt"/>
+        <a:ea typeface="+mn-ea"/>
+        <a:cs typeface="+mn-cs"/>
+      </a:defRPr>
+    </a:lvl8pPr>
+    <a:lvl9pPr marL="3657600" algn="l" defTabSz="914400" rtl="0" eaLnBrk="1" latinLnBrk="0" hangingPunct="1">
+      <a:defRPr sz="1200" kern="1200">
+        <a:solidFill>
+          <a:schemeClr val="tx1"/>
+        </a:solidFill>
+        <a:latin typeface="+mn-lt"/>
+        <a:ea typeface="+mn-ea"/>
+        <a:cs typeface="+mn-cs"/>
+      </a:defRPr>
+    </a:lvl9pPr>
+  </p:notesStyle>
+</p:notesMaster>
+</file>
+
+<file path=ppt/notesSlides/notesSlide1.xml><?xml version="1.0" encoding="utf-8"?>
+<p:notes xmlns:a="http://schemas.openxmlformats.org/drawingml/2006/main" xmlns:r="http://schemas.openxmlformats.org/officeDocument/2006/relationships" xmlns:p="http://schemas.openxmlformats.org/presentationml/2006/main">
+  <p:cSld>
+    <p:spTree>
+      <p:nvGrpSpPr>
+        <p:cNvPr id="1" name=""/>
+        <p:cNvGrpSpPr/>
+        <p:nvPr/>
+      </p:nvGrpSpPr>
+      <p:grpSpPr>
+        <a:xfrm>
+          <a:off x="0" y="0"/>
+          <a:ext cx="0" cy="0"/>
+          <a:chOff x="0" y="0"/>
+          <a:chExt cx="0" cy="0"/>
+        </a:xfrm>
+      </p:grpSpPr>
+      <p:sp>
+        <p:nvSpPr>
+          <p:cNvPr id="2" name="Slide Image Placeholder 1"/>
+          <p:cNvSpPr>
+            <a:spLocks noGrp="1" noRot="1" noChangeAspect="1"/>
+          </p:cNvSpPr>
+          <p:nvPr>
+            <p:ph type="sldImg"/>
+          </p:nvPr>
+        </p:nvSpPr>
+        <p:spPr/>
+      </p:sp>
+      <p:sp>
+        <p:nvSpPr>
+          <p:cNvPr id="3" name="Notes Placeholder 2"/>
+          <p:cNvSpPr>
+            <a:spLocks noGrp="1"/>
+          </p:cNvSpPr>
+          <p:nvPr>
+            <p:ph type="body" idx="1"/>
+          </p:nvPr>
+        </p:nvSpPr>
+        <p:spPr/>
+        <p:txBody>
+          <a:bodyPr/>
+          <a:lstStyle/>
+          <a:p>
+            <a:endParaRPr lang="en-US" dirty="0"/>
+          </a:p>
+        </p:txBody>
+      </p:sp>
+      <p:sp>
+        <p:nvSpPr>
+          <p:cNvPr id="4" name="Slide Number Placeholder 3"/>
+          <p:cNvSpPr>
+            <a:spLocks noGrp="1"/>
+          </p:cNvSpPr>
+          <p:nvPr>
+            <p:ph type="sldNum" sz="quarter" idx="5"/>
+          </p:nvPr>
+        </p:nvSpPr>
+        <p:spPr/>
+        <p:txBody>
+          <a:bodyPr/>
+          <a:lstStyle/>
+          <a:p>
+            <a:fld id="{476AABEC-6A39-432E-945B-4B5566EB471A}" type="slidenum">
+              <a:rPr lang="en-US" smtClean="0"/>
+              <a:t>7</a:t>
+            </a:fld>
+            <a:endParaRPr lang="en-US"/>
+          </a:p>
+        </p:txBody>
+      </p:sp>
+    </p:spTree>
+    <p:extLst>
+      <p:ext uri="{BB962C8B-B14F-4D97-AF65-F5344CB8AC3E}">
+        <p14:creationId xmlns:p14="http://schemas.microsoft.com/office/powerpoint/2010/main" val="2842666123"/>
+      </p:ext>
+    </p:extLst>
+  </p:cSld>
+  <p:clrMapOvr>
+    <a:masterClrMapping/>
+  </p:clrMapOvr>
+</p:notes>
+</file>
+
 <file path=ppt/slideLayouts/slideLayout1.xml><?xml version="1.0" encoding="utf-8"?>
 <p:sldLayout xmlns:a="http://schemas.openxmlformats.org/drawingml/2006/main" xmlns:r="http://schemas.openxmlformats.org/officeDocument/2006/relationships" xmlns:p="http://schemas.openxmlformats.org/presentationml/2006/main" type="title" preserve="1">
   <p:cSld name="Title Slide">
@@ -305,7 +744,7 @@
           <a:p>
             <a:fld id="{529003A3-CE5D-42C6-8D0C-43A59C9E730F}" type="datetimeFigureOut">
               <a:rPr lang="en-US" smtClean="0"/>
-              <a:t>2/26/2026</a:t>
+              <a:t>2/27/2026</a:t>
             </a:fld>
             <a:endParaRPr lang="en-US"/>
           </a:p>
@@ -580,7 +1019,7 @@
           <a:p>
             <a:fld id="{529003A3-CE5D-42C6-8D0C-43A59C9E730F}" type="datetimeFigureOut">
               <a:rPr lang="en-US" smtClean="0"/>
-              <a:t>2/26/2026</a:t>
+              <a:t>2/27/2026</a:t>
             </a:fld>
             <a:endParaRPr lang="en-US"/>
           </a:p>
@@ -774,7 +1213,7 @@
           <a:p>
             <a:fld id="{529003A3-CE5D-42C6-8D0C-43A59C9E730F}" type="datetimeFigureOut">
               <a:rPr lang="en-US" smtClean="0"/>
-              <a:t>2/26/2026</a:t>
+              <a:t>2/27/2026</a:t>
             </a:fld>
             <a:endParaRPr lang="en-US"/>
           </a:p>
@@ -1047,7 +1486,7 @@
           <a:p>
             <a:fld id="{529003A3-CE5D-42C6-8D0C-43A59C9E730F}" type="datetimeFigureOut">
               <a:rPr lang="en-US" smtClean="0"/>
-              <a:t>2/26/2026</a:t>
+              <a:t>2/27/2026</a:t>
             </a:fld>
             <a:endParaRPr lang="en-US"/>
           </a:p>
@@ -1388,7 +1827,7 @@
           <a:p>
             <a:fld id="{529003A3-CE5D-42C6-8D0C-43A59C9E730F}" type="datetimeFigureOut">
               <a:rPr lang="en-US" smtClean="0"/>
-              <a:t>2/26/2026</a:t>
+              <a:t>2/27/2026</a:t>
             </a:fld>
             <a:endParaRPr lang="en-US"/>
           </a:p>
@@ -2011,7 +2450,7 @@
           <a:p>
             <a:fld id="{529003A3-CE5D-42C6-8D0C-43A59C9E730F}" type="datetimeFigureOut">
               <a:rPr lang="en-US" smtClean="0"/>
-              <a:t>2/26/2026</a:t>
+              <a:t>2/27/2026</a:t>
             </a:fld>
             <a:endParaRPr lang="en-US"/>
           </a:p>
@@ -2871,7 +3310,7 @@
           <a:p>
             <a:fld id="{529003A3-CE5D-42C6-8D0C-43A59C9E730F}" type="datetimeFigureOut">
               <a:rPr lang="en-US" smtClean="0"/>
-              <a:t>2/26/2026</a:t>
+              <a:t>2/27/2026</a:t>
             </a:fld>
             <a:endParaRPr lang="en-US"/>
           </a:p>
@@ -3041,7 +3480,7 @@
           <a:p>
             <a:fld id="{529003A3-CE5D-42C6-8D0C-43A59C9E730F}" type="datetimeFigureOut">
               <a:rPr lang="en-US" smtClean="0"/>
-              <a:t>2/26/2026</a:t>
+              <a:t>2/27/2026</a:t>
             </a:fld>
             <a:endParaRPr lang="en-US"/>
           </a:p>
@@ -3221,7 +3660,7 @@
           <a:p>
             <a:fld id="{529003A3-CE5D-42C6-8D0C-43A59C9E730F}" type="datetimeFigureOut">
               <a:rPr lang="en-US" smtClean="0"/>
-              <a:t>2/26/2026</a:t>
+              <a:t>2/27/2026</a:t>
             </a:fld>
             <a:endParaRPr lang="en-US"/>
           </a:p>
@@ -3391,7 +3830,7 @@
           <a:p>
             <a:fld id="{529003A3-CE5D-42C6-8D0C-43A59C9E730F}" type="datetimeFigureOut">
               <a:rPr lang="en-US" smtClean="0"/>
-              <a:t>2/26/2026</a:t>
+              <a:t>2/27/2026</a:t>
             </a:fld>
             <a:endParaRPr lang="en-US"/>
           </a:p>
@@ -3638,7 +4077,7 @@
           <a:p>
             <a:fld id="{529003A3-CE5D-42C6-8D0C-43A59C9E730F}" type="datetimeFigureOut">
               <a:rPr lang="en-US" smtClean="0"/>
-              <a:t>2/26/2026</a:t>
+              <a:t>2/27/2026</a:t>
             </a:fld>
             <a:endParaRPr lang="en-US"/>
           </a:p>
@@ -3930,7 +4369,7 @@
           <a:p>
             <a:fld id="{529003A3-CE5D-42C6-8D0C-43A59C9E730F}" type="datetimeFigureOut">
               <a:rPr lang="en-US" smtClean="0"/>
-              <a:t>2/26/2026</a:t>
+              <a:t>2/27/2026</a:t>
             </a:fld>
             <a:endParaRPr lang="en-US"/>
           </a:p>
@@ -4374,7 +4813,7 @@
           <a:p>
             <a:fld id="{529003A3-CE5D-42C6-8D0C-43A59C9E730F}" type="datetimeFigureOut">
               <a:rPr lang="en-US" smtClean="0"/>
-              <a:t>2/26/2026</a:t>
+              <a:t>2/27/2026</a:t>
             </a:fld>
             <a:endParaRPr lang="en-US"/>
           </a:p>
@@ -4492,7 +4931,7 @@
           <a:p>
             <a:fld id="{529003A3-CE5D-42C6-8D0C-43A59C9E730F}" type="datetimeFigureOut">
               <a:rPr lang="en-US" smtClean="0"/>
-              <a:t>2/26/2026</a:t>
+              <a:t>2/27/2026</a:t>
             </a:fld>
             <a:endParaRPr lang="en-US"/>
           </a:p>
@@ -4587,7 +5026,7 @@
           <a:p>
             <a:fld id="{529003A3-CE5D-42C6-8D0C-43A59C9E730F}" type="datetimeFigureOut">
               <a:rPr lang="en-US" smtClean="0"/>
-              <a:t>2/26/2026</a:t>
+              <a:t>2/27/2026</a:t>
             </a:fld>
             <a:endParaRPr lang="en-US"/>
           </a:p>
@@ -4866,7 +5305,7 @@
           <a:p>
             <a:fld id="{529003A3-CE5D-42C6-8D0C-43A59C9E730F}" type="datetimeFigureOut">
               <a:rPr lang="en-US" smtClean="0"/>
-              <a:t>2/26/2026</a:t>
+              <a:t>2/27/2026</a:t>
             </a:fld>
             <a:endParaRPr lang="en-US"/>
           </a:p>
@@ -5141,7 +5580,7 @@
           <a:p>
             <a:fld id="{529003A3-CE5D-42C6-8D0C-43A59C9E730F}" type="datetimeFigureOut">
               <a:rPr lang="en-US" smtClean="0"/>
-              <a:t>2/26/2026</a:t>
+              <a:t>2/27/2026</a:t>
             </a:fld>
             <a:endParaRPr lang="en-US"/>
           </a:p>
@@ -5570,7 +6009,7 @@
           <a:p>
             <a:fld id="{529003A3-CE5D-42C6-8D0C-43A59C9E730F}" type="datetimeFigureOut">
               <a:rPr lang="en-US" smtClean="0"/>
-              <a:t>2/26/2026</a:t>
+              <a:t>2/27/2026</a:t>
             </a:fld>
             <a:endParaRPr lang="en-US"/>
           </a:p>
@@ -6139,6 +6578,304 @@
 </p:sld>
 </file>
 
+<file path=ppt/slides/slide10.xml><?xml version="1.0" encoding="utf-8"?>
+<p:sld xmlns:a="http://schemas.openxmlformats.org/drawingml/2006/main" xmlns:r="http://schemas.openxmlformats.org/officeDocument/2006/relationships" xmlns:p="http://schemas.openxmlformats.org/presentationml/2006/main">
+  <p:cSld>
+    <p:spTree>
+      <p:nvGrpSpPr>
+        <p:cNvPr id="1" name=""/>
+        <p:cNvGrpSpPr/>
+        <p:nvPr/>
+      </p:nvGrpSpPr>
+      <p:grpSpPr>
+        <a:xfrm>
+          <a:off x="0" y="0"/>
+          <a:ext cx="0" cy="0"/>
+          <a:chOff x="0" y="0"/>
+          <a:chExt cx="0" cy="0"/>
+        </a:xfrm>
+      </p:grpSpPr>
+      <p:sp>
+        <p:nvSpPr>
+          <p:cNvPr id="2" name="Title 1"/>
+          <p:cNvSpPr>
+            <a:spLocks noGrp="1"/>
+          </p:cNvSpPr>
+          <p:nvPr>
+            <p:ph type="title"/>
+          </p:nvPr>
+        </p:nvSpPr>
+        <p:spPr/>
+        <p:txBody>
+          <a:bodyPr/>
+          <a:lstStyle/>
+          <a:p>
+            <a:r>
+              <a:t>Bootstrap Grid System</a:t>
+            </a:r>
+          </a:p>
+        </p:txBody>
+      </p:sp>
+      <p:sp>
+        <p:nvSpPr>
+          <p:cNvPr id="3" name="Content Placeholder 2"/>
+          <p:cNvSpPr>
+            <a:spLocks noGrp="1"/>
+          </p:cNvSpPr>
+          <p:nvPr>
+            <p:ph idx="1"/>
+          </p:nvPr>
+        </p:nvSpPr>
+        <p:spPr/>
+        <p:txBody>
+          <a:bodyPr/>
+          <a:lstStyle/>
+          <a:p>
+            <a:r>
+              <a:rPr dirty="0"/>
+              <a:t>Layout based on 12-column grid</a:t>
+            </a:r>
+          </a:p>
+          <a:p>
+            <a:r>
+              <a:rPr dirty="0"/>
+              <a:t>Container: wrapper for rows and columns</a:t>
+            </a:r>
+          </a:p>
+          <a:p>
+            <a:r>
+              <a:rPr dirty="0"/>
+              <a:t>Row: horizontal group of columns</a:t>
+            </a:r>
+          </a:p>
+          <a:p>
+            <a:r>
+              <a:rPr dirty="0"/>
+              <a:t>Column: defined with col- classes (e.g., col-6)</a:t>
+            </a:r>
+          </a:p>
+          <a:p>
+            <a:r>
+              <a:rPr dirty="0"/>
+              <a:t>Example: col-6 + col-6 = full row</a:t>
+            </a:r>
+          </a:p>
+        </p:txBody>
+      </p:sp>
+    </p:spTree>
+  </p:cSld>
+  <p:clrMapOvr>
+    <a:masterClrMapping/>
+  </p:clrMapOvr>
+  <mc:AlternateContent xmlns:mc="http://schemas.openxmlformats.org/markup-compatibility/2006" xmlns:p15="http://schemas.microsoft.com/office/powerpoint/2012/main">
+    <mc:Choice Requires="p15">
+      <p:transition xmlns:p14="http://schemas.microsoft.com/office/powerpoint/2010/main" spd="slow" p14:dur="1250">
+        <p15:prstTrans prst="airplane"/>
+      </p:transition>
+    </mc:Choice>
+    <mc:Fallback xmlns="">
+      <p:transition spd="slow">
+        <p:fade/>
+      </p:transition>
+    </mc:Fallback>
+  </mc:AlternateContent>
+</p:sld>
+</file>
+
+<file path=ppt/slides/slide11.xml><?xml version="1.0" encoding="utf-8"?>
+<p:sld xmlns:a="http://schemas.openxmlformats.org/drawingml/2006/main" xmlns:r="http://schemas.openxmlformats.org/officeDocument/2006/relationships" xmlns:p="http://schemas.openxmlformats.org/presentationml/2006/main">
+  <p:cSld>
+    <p:spTree>
+      <p:nvGrpSpPr>
+        <p:cNvPr id="1" name=""/>
+        <p:cNvGrpSpPr/>
+        <p:nvPr/>
+      </p:nvGrpSpPr>
+      <p:grpSpPr>
+        <a:xfrm>
+          <a:off x="0" y="0"/>
+          <a:ext cx="0" cy="0"/>
+          <a:chOff x="0" y="0"/>
+          <a:chExt cx="0" cy="0"/>
+        </a:xfrm>
+      </p:grpSpPr>
+      <p:sp>
+        <p:nvSpPr>
+          <p:cNvPr id="2" name="Title 1">
+            <a:extLst>
+              <a:ext uri="{FF2B5EF4-FFF2-40B4-BE49-F238E27FC236}">
+                <a16:creationId xmlns:a16="http://schemas.microsoft.com/office/drawing/2014/main" id="{D1152F94-6C91-0F6F-FC57-71B63C22682D}"/>
+              </a:ext>
+            </a:extLst>
+          </p:cNvPr>
+          <p:cNvSpPr>
+            <a:spLocks noGrp="1"/>
+          </p:cNvSpPr>
+          <p:nvPr>
+            <p:ph type="title"/>
+          </p:nvPr>
+        </p:nvSpPr>
+        <p:spPr>
+          <a:xfrm>
+            <a:off x="113676" y="86810"/>
+            <a:ext cx="9404723" cy="1400530"/>
+          </a:xfrm>
+        </p:spPr>
+        <p:txBody>
+          <a:bodyPr/>
+          <a:lstStyle/>
+          <a:p>
+            <a:r>
+              <a:rPr lang="en-US" b="1" dirty="0"/>
+              <a:t>Columns in Bootstrap</a:t>
+            </a:r>
+            <a:br>
+              <a:rPr lang="en-US" b="1" dirty="0"/>
+            </a:br>
+            <a:endParaRPr lang="en-US" dirty="0"/>
+          </a:p>
+        </p:txBody>
+      </p:sp>
+      <p:sp>
+        <p:nvSpPr>
+          <p:cNvPr id="3" name="Content Placeholder 2">
+            <a:extLst>
+              <a:ext uri="{FF2B5EF4-FFF2-40B4-BE49-F238E27FC236}">
+                <a16:creationId xmlns:a16="http://schemas.microsoft.com/office/drawing/2014/main" id="{A1D5EA2F-98AF-FF19-23B0-D861751F5AF8}"/>
+              </a:ext>
+            </a:extLst>
+          </p:cNvPr>
+          <p:cNvSpPr>
+            <a:spLocks noGrp="1"/>
+          </p:cNvSpPr>
+          <p:nvPr>
+            <p:ph idx="1"/>
+          </p:nvPr>
+        </p:nvSpPr>
+        <p:spPr>
+          <a:xfrm>
+            <a:off x="582451" y="1018572"/>
+            <a:ext cx="10691291" cy="5752618"/>
+          </a:xfrm>
+        </p:spPr>
+        <p:txBody>
+          <a:bodyPr>
+            <a:normAutofit fontScale="92500" lnSpcReduction="20000"/>
+          </a:bodyPr>
+          <a:lstStyle/>
+          <a:p>
+            <a:r>
+              <a:rPr lang="en-US" dirty="0"/>
+              <a:t>Columns are used to divide a row into different sections.</a:t>
+            </a:r>
+          </a:p>
+          <a:p>
+            <a:r>
+              <a:rPr lang="en-US" dirty="0"/>
+              <a:t>Bootstrap uses a </a:t>
+            </a:r>
+            <a:r>
+              <a:rPr lang="en-US" b="1" dirty="0"/>
+              <a:t>12-column layout system</a:t>
+            </a:r>
+            <a:r>
+              <a:rPr lang="en-US" dirty="0"/>
+              <a:t>, which means: Each row has 12 available columns.</a:t>
+            </a:r>
+          </a:p>
+          <a:p>
+            <a:r>
+              <a:rPr lang="en-US" dirty="0"/>
+              <a:t>Vertical Alignment of Columns: Vertical alignment is controlled on the row.</a:t>
+            </a:r>
+          </a:p>
+          <a:p>
+            <a:r>
+              <a:rPr lang="en-US" dirty="0"/>
+              <a:t>Classes:</a:t>
+            </a:r>
+          </a:p>
+          <a:p>
+            <a:r>
+              <a:rPr lang="en-US" dirty="0"/>
+              <a:t>align-items-start → Top</a:t>
+            </a:r>
+          </a:p>
+          <a:p>
+            <a:r>
+              <a:rPr lang="en-US" dirty="0"/>
+              <a:t>align-items-center → Center</a:t>
+            </a:r>
+          </a:p>
+          <a:p>
+            <a:r>
+              <a:rPr lang="en-US" dirty="0"/>
+              <a:t>align-items-end → Bottom</a:t>
+            </a:r>
+          </a:p>
+          <a:p>
+            <a:r>
+              <a:rPr lang="en-US" dirty="0"/>
+              <a:t>Horizontal Alignment of Columns: It is also controlled on the row</a:t>
+            </a:r>
+          </a:p>
+          <a:p>
+            <a:r>
+              <a:rPr lang="en-US" dirty="0"/>
+              <a:t>Classes:</a:t>
+            </a:r>
+          </a:p>
+          <a:p>
+            <a:r>
+              <a:rPr lang="en-US" dirty="0"/>
+              <a:t>justify-content-start</a:t>
+            </a:r>
+          </a:p>
+          <a:p>
+            <a:r>
+              <a:rPr lang="en-US" dirty="0"/>
+              <a:t>justify-content-center</a:t>
+            </a:r>
+          </a:p>
+          <a:p>
+            <a:r>
+              <a:rPr lang="en-US" dirty="0"/>
+              <a:t>justify-content-end</a:t>
+            </a:r>
+          </a:p>
+          <a:p>
+            <a:r>
+              <a:rPr lang="en-US" dirty="0"/>
+              <a:t>justify-content-between</a:t>
+            </a:r>
+          </a:p>
+          <a:p>
+            <a:r>
+              <a:rPr lang="en-US" dirty="0"/>
+              <a:t>justify-content-around</a:t>
+            </a:r>
+          </a:p>
+          <a:p>
+            <a:r>
+              <a:rPr lang="en-US" dirty="0"/>
+              <a:t>justify-content-evenly</a:t>
+            </a:r>
+          </a:p>
+        </p:txBody>
+      </p:sp>
+    </p:spTree>
+    <p:extLst>
+      <p:ext uri="{BB962C8B-B14F-4D97-AF65-F5344CB8AC3E}">
+        <p14:creationId xmlns:p14="http://schemas.microsoft.com/office/powerpoint/2010/main" val="3309569876"/>
+      </p:ext>
+    </p:extLst>
+  </p:cSld>
+  <p:clrMapOvr>
+    <a:masterClrMapping/>
+  </p:clrMapOvr>
+</p:sld>
+</file>
+
 <file path=ppt/slides/slide2.xml><?xml version="1.0" encoding="utf-8"?>
 <p:sld xmlns:a="http://schemas.openxmlformats.org/drawingml/2006/main" xmlns:r="http://schemas.openxmlformats.org/officeDocument/2006/relationships" xmlns:p="http://schemas.openxmlformats.org/presentationml/2006/main">
   <p:cSld>
@@ -6495,7 +7232,13 @@
       </p:grpSpPr>
       <p:sp>
         <p:nvSpPr>
-          <p:cNvPr id="2" name="Title 1"/>
+          <p:cNvPr id="2" name="Title 1">
+            <a:extLst>
+              <a:ext uri="{FF2B5EF4-FFF2-40B4-BE49-F238E27FC236}">
+                <a16:creationId xmlns:a16="http://schemas.microsoft.com/office/drawing/2014/main" id="{48949AD2-E257-F3A5-7600-775F712AB63A}"/>
+              </a:ext>
+            </a:extLst>
+          </p:cNvPr>
           <p:cNvSpPr>
             <a:spLocks noGrp="1"/>
           </p:cNvSpPr>
@@ -6503,25 +7246,90 @@
             <p:ph type="title"/>
           </p:nvPr>
         </p:nvSpPr>
-        <p:spPr/>
+        <p:spPr>
+          <a:xfrm>
+            <a:off x="437767" y="325396"/>
+            <a:ext cx="9404723" cy="1400530"/>
+          </a:xfrm>
+        </p:spPr>
         <p:txBody>
           <a:bodyPr/>
           <a:lstStyle/>
           <a:p>
             <a:r>
-              <a:t>Bootstrap Grid System</a:t>
-            </a:r>
-          </a:p>
-        </p:txBody>
-      </p:sp>
-      <p:sp>
-        <p:nvSpPr>
-          <p:cNvPr id="3" name="Content Placeholder 2"/>
-          <p:cNvSpPr>
-            <a:spLocks noGrp="1"/>
-          </p:cNvSpPr>
+              <a:rPr lang="en-US" dirty="0"/>
+              <a:t>Responsive Breakpoints</a:t>
+            </a:r>
+          </a:p>
+        </p:txBody>
+      </p:sp>
+      <p:pic>
+        <p:nvPicPr>
+          <p:cNvPr id="5" name="Content Placeholder 4">
+            <a:extLst>
+              <a:ext uri="{FF2B5EF4-FFF2-40B4-BE49-F238E27FC236}">
+                <a16:creationId xmlns:a16="http://schemas.microsoft.com/office/drawing/2014/main" id="{9458D659-9A94-7682-F80B-61D93E96A5E3}"/>
+              </a:ext>
+            </a:extLst>
+          </p:cNvPr>
+          <p:cNvPicPr>
+            <a:picLocks noGrp="1" noChangeAspect="1"/>
+          </p:cNvPicPr>
           <p:nvPr>
             <p:ph idx="1"/>
+          </p:nvPr>
+        </p:nvPicPr>
+        <p:blipFill>
+          <a:blip r:embed="rId2"/>
+          <a:stretch>
+            <a:fillRect/>
+          </a:stretch>
+        </p:blipFill>
+        <p:spPr>
+          <a:xfrm>
+            <a:off x="530364" y="1369969"/>
+            <a:ext cx="10372988" cy="4118062"/>
+          </a:xfrm>
+        </p:spPr>
+      </p:pic>
+    </p:spTree>
+    <p:extLst>
+      <p:ext uri="{BB962C8B-B14F-4D97-AF65-F5344CB8AC3E}">
+        <p14:creationId xmlns:p14="http://schemas.microsoft.com/office/powerpoint/2010/main" val="1533517727"/>
+      </p:ext>
+    </p:extLst>
+  </p:cSld>
+  <p:clrMapOvr>
+    <a:masterClrMapping/>
+  </p:clrMapOvr>
+</p:sld>
+</file>
+
+<file path=ppt/slides/slide6.xml><?xml version="1.0" encoding="utf-8"?>
+<p:sld xmlns:a="http://schemas.openxmlformats.org/drawingml/2006/main" xmlns:r="http://schemas.openxmlformats.org/officeDocument/2006/relationships" xmlns:p="http://schemas.openxmlformats.org/presentationml/2006/main">
+  <p:cSld>
+    <p:spTree>
+      <p:nvGrpSpPr>
+        <p:cNvPr id="1" name=""/>
+        <p:cNvGrpSpPr/>
+        <p:nvPr/>
+      </p:nvGrpSpPr>
+      <p:grpSpPr>
+        <a:xfrm>
+          <a:off x="0" y="0"/>
+          <a:ext cx="0" cy="0"/>
+          <a:chOff x="0" y="0"/>
+          <a:chExt cx="0" cy="0"/>
+        </a:xfrm>
+      </p:grpSpPr>
+      <p:sp>
+        <p:nvSpPr>
+          <p:cNvPr id="2" name="Title 1"/>
+          <p:cNvSpPr>
+            <a:spLocks noGrp="1"/>
+          </p:cNvSpPr>
+          <p:nvPr>
+            <p:ph type="title"/>
           </p:nvPr>
         </p:nvSpPr>
         <p:spPr/>
@@ -6531,32 +7339,93 @@
           <a:p>
             <a:r>
               <a:rPr dirty="0"/>
-              <a:t>Layout based on 12-column grid</a:t>
-            </a:r>
-          </a:p>
-          <a:p>
-            <a:r>
-              <a:rPr dirty="0"/>
-              <a:t>Container: wrapper for rows and columns</a:t>
-            </a:r>
-          </a:p>
-          <a:p>
-            <a:r>
-              <a:rPr dirty="0"/>
-              <a:t>Row: horizontal group of columns</a:t>
-            </a:r>
-          </a:p>
-          <a:p>
-            <a:r>
-              <a:rPr dirty="0"/>
-              <a:t>Column: defined with col- classes (e.g., col-6)</a:t>
-            </a:r>
-          </a:p>
-          <a:p>
-            <a:r>
-              <a:rPr dirty="0"/>
-              <a:t>Example: col-6 + col-6 = full row</a:t>
-            </a:r>
+              <a:t>Responsive Breakpoints</a:t>
+            </a:r>
+          </a:p>
+        </p:txBody>
+      </p:sp>
+      <p:sp>
+        <p:nvSpPr>
+          <p:cNvPr id="3" name="Content Placeholder 2"/>
+          <p:cNvSpPr>
+            <a:spLocks noGrp="1"/>
+          </p:cNvSpPr>
+          <p:nvPr>
+            <p:ph idx="1"/>
+          </p:nvPr>
+        </p:nvSpPr>
+        <p:spPr/>
+        <p:txBody>
+          <a:bodyPr/>
+          <a:lstStyle/>
+          <a:p>
+            <a:r>
+              <a:rPr lang="en-US" dirty="0"/>
+              <a:t>Breakpoints define layouts for different screen sizes:</a:t>
+            </a:r>
+          </a:p>
+          <a:p>
+            <a:r>
+              <a:rPr lang="en-US" dirty="0"/>
+              <a:t> col- (extra small &lt;576px)</a:t>
+            </a:r>
+          </a:p>
+          <a:p>
+            <a:r>
+              <a:rPr lang="en-US" dirty="0"/>
+              <a:t> col-</a:t>
+            </a:r>
+            <a:r>
+              <a:rPr lang="en-US" dirty="0" err="1"/>
+              <a:t>sm</a:t>
+            </a:r>
+            <a:r>
+              <a:rPr lang="en-US" dirty="0"/>
+              <a:t>- (small ≥576px)</a:t>
+            </a:r>
+          </a:p>
+          <a:p>
+            <a:r>
+              <a:rPr lang="en-US" dirty="0"/>
+              <a:t> col-md- (medium ≥768px)</a:t>
+            </a:r>
+          </a:p>
+          <a:p>
+            <a:r>
+              <a:rPr lang="en-US" dirty="0"/>
+              <a:t> col-lg- (large ≥992px)</a:t>
+            </a:r>
+          </a:p>
+          <a:p>
+            <a:r>
+              <a:rPr lang="en-US" dirty="0"/>
+              <a:t> col-xl- (extra large ≥1200px)</a:t>
+            </a:r>
+          </a:p>
+          <a:p>
+            <a:r>
+              <a:rPr lang="en-US" dirty="0"/>
+              <a:t> col-</a:t>
+            </a:r>
+            <a:r>
+              <a:rPr lang="en-US" dirty="0" err="1"/>
+              <a:t>xxl</a:t>
+            </a:r>
+            <a:r>
+              <a:rPr lang="en-US" dirty="0"/>
+              <a:t>- (extra </a:t>
+            </a:r>
+            <a:r>
+              <a:rPr lang="en-US" dirty="0" err="1"/>
+              <a:t>extra</a:t>
+            </a:r>
+            <a:r>
+              <a:rPr lang="en-US" dirty="0"/>
+              <a:t> large ≥1400px)</a:t>
+            </a:r>
+          </a:p>
+          <a:p>
+            <a:endParaRPr lang="en-US" dirty="0"/>
           </a:p>
         </p:txBody>
       </p:sp>
@@ -6580,98 +7449,6 @@
 </p:sld>
 </file>
 
-<file path=ppt/slides/slide6.xml><?xml version="1.0" encoding="utf-8"?>
-<p:sld xmlns:a="http://schemas.openxmlformats.org/drawingml/2006/main" xmlns:r="http://schemas.openxmlformats.org/officeDocument/2006/relationships" xmlns:p="http://schemas.openxmlformats.org/presentationml/2006/main">
-  <p:cSld>
-    <p:spTree>
-      <p:nvGrpSpPr>
-        <p:cNvPr id="1" name=""/>
-        <p:cNvGrpSpPr/>
-        <p:nvPr/>
-      </p:nvGrpSpPr>
-      <p:grpSpPr>
-        <a:xfrm>
-          <a:off x="0" y="0"/>
-          <a:ext cx="0" cy="0"/>
-          <a:chOff x="0" y="0"/>
-          <a:chExt cx="0" cy="0"/>
-        </a:xfrm>
-      </p:grpSpPr>
-      <p:sp>
-        <p:nvSpPr>
-          <p:cNvPr id="2" name="Title 1">
-            <a:extLst>
-              <a:ext uri="{FF2B5EF4-FFF2-40B4-BE49-F238E27FC236}">
-                <a16:creationId xmlns:a16="http://schemas.microsoft.com/office/drawing/2014/main" id="{48949AD2-E257-F3A5-7600-775F712AB63A}"/>
-              </a:ext>
-            </a:extLst>
-          </p:cNvPr>
-          <p:cNvSpPr>
-            <a:spLocks noGrp="1"/>
-          </p:cNvSpPr>
-          <p:nvPr>
-            <p:ph type="title"/>
-          </p:nvPr>
-        </p:nvSpPr>
-        <p:spPr>
-          <a:xfrm>
-            <a:off x="611387" y="776809"/>
-            <a:ext cx="9404723" cy="1400530"/>
-          </a:xfrm>
-        </p:spPr>
-        <p:txBody>
-          <a:bodyPr/>
-          <a:lstStyle/>
-          <a:p>
-            <a:r>
-              <a:rPr lang="en-US" dirty="0"/>
-              <a:t>Responsive Breakpoints</a:t>
-            </a:r>
-          </a:p>
-        </p:txBody>
-      </p:sp>
-      <p:pic>
-        <p:nvPicPr>
-          <p:cNvPr id="5" name="Content Placeholder 4">
-            <a:extLst>
-              <a:ext uri="{FF2B5EF4-FFF2-40B4-BE49-F238E27FC236}">
-                <a16:creationId xmlns:a16="http://schemas.microsoft.com/office/drawing/2014/main" id="{9458D659-9A94-7682-F80B-61D93E96A5E3}"/>
-              </a:ext>
-            </a:extLst>
-          </p:cNvPr>
-          <p:cNvPicPr>
-            <a:picLocks noGrp="1" noChangeAspect="1"/>
-          </p:cNvPicPr>
-          <p:nvPr>
-            <p:ph idx="1"/>
-          </p:nvPr>
-        </p:nvPicPr>
-        <p:blipFill>
-          <a:blip r:embed="rId2"/>
-          <a:stretch>
-            <a:fillRect/>
-          </a:stretch>
-        </p:blipFill>
-        <p:spPr>
-          <a:xfrm>
-            <a:off x="905358" y="2278495"/>
-            <a:ext cx="9916971" cy="3937024"/>
-          </a:xfrm>
-        </p:spPr>
-      </p:pic>
-    </p:spTree>
-    <p:extLst>
-      <p:ext uri="{BB962C8B-B14F-4D97-AF65-F5344CB8AC3E}">
-        <p14:creationId xmlns:p14="http://schemas.microsoft.com/office/powerpoint/2010/main" val="1533517727"/>
-      </p:ext>
-    </p:extLst>
-  </p:cSld>
-  <p:clrMapOvr>
-    <a:masterClrMapping/>
-  </p:clrMapOvr>
-</p:sld>
-</file>
-
 <file path=ppt/slides/slide7.xml><?xml version="1.0" encoding="utf-8"?>
 <p:sld xmlns:a="http://schemas.openxmlformats.org/drawingml/2006/main" xmlns:r="http://schemas.openxmlformats.org/officeDocument/2006/relationships" xmlns:p="http://schemas.openxmlformats.org/presentationml/2006/main">
   <p:cSld>
@@ -6691,7 +7468,13 @@
       </p:grpSpPr>
       <p:sp>
         <p:nvSpPr>
-          <p:cNvPr id="2" name="Title 1"/>
+          <p:cNvPr id="2" name="Title 1">
+            <a:extLst>
+              <a:ext uri="{FF2B5EF4-FFF2-40B4-BE49-F238E27FC236}">
+                <a16:creationId xmlns:a16="http://schemas.microsoft.com/office/drawing/2014/main" id="{468B0314-01A5-616D-F8AC-EEEF4FE87C3B}"/>
+              </a:ext>
+            </a:extLst>
+          </p:cNvPr>
           <p:cNvSpPr>
             <a:spLocks noGrp="1"/>
           </p:cNvSpPr>
@@ -6705,15 +7488,25 @@
           <a:lstStyle/>
           <a:p>
             <a:r>
-              <a:rPr dirty="0"/>
-              <a:t>Responsive Breakpoints</a:t>
-            </a:r>
-          </a:p>
-        </p:txBody>
-      </p:sp>
-      <p:sp>
-        <p:nvSpPr>
-          <p:cNvPr id="3" name="Content Placeholder 2"/>
+              <a:rPr lang="en-US" dirty="0"/>
+              <a:t>What is Container?</a:t>
+            </a:r>
+            <a:br>
+              <a:rPr lang="en-US" dirty="0"/>
+            </a:br>
+            <a:endParaRPr lang="en-US" dirty="0"/>
+          </a:p>
+        </p:txBody>
+      </p:sp>
+      <p:sp>
+        <p:nvSpPr>
+          <p:cNvPr id="3" name="Content Placeholder 2">
+            <a:extLst>
+              <a:ext uri="{FF2B5EF4-FFF2-40B4-BE49-F238E27FC236}">
+                <a16:creationId xmlns:a16="http://schemas.microsoft.com/office/drawing/2014/main" id="{F110F4B5-CDA6-1938-0B27-7FA7F515BC29}"/>
+              </a:ext>
+            </a:extLst>
+          </p:cNvPr>
           <p:cNvSpPr>
             <a:spLocks noGrp="1"/>
           </p:cNvSpPr>
@@ -6727,81 +7520,43 @@
           <a:lstStyle/>
           <a:p>
             <a:r>
-              <a:rPr dirty="0"/>
-              <a:t>Breakpoints define layouts for different screen sizes:</a:t>
-            </a:r>
-          </a:p>
-          <a:p>
-            <a:r>
-              <a:rPr dirty="0"/>
-              <a:t> col- (extra small &lt;576px)</a:t>
-            </a:r>
-          </a:p>
-          <a:p>
-            <a:r>
-              <a:rPr dirty="0"/>
-              <a:t> col-</a:t>
-            </a:r>
-            <a:r>
-              <a:rPr dirty="0" err="1"/>
-              <a:t>sm</a:t>
-            </a:r>
-            <a:r>
-              <a:rPr dirty="0"/>
-              <a:t>- (small ≥576px)</a:t>
-            </a:r>
-          </a:p>
-          <a:p>
-            <a:r>
-              <a:rPr dirty="0"/>
-              <a:t> col-md- (medium ≥768px)</a:t>
-            </a:r>
-          </a:p>
-          <a:p>
-            <a:r>
-              <a:rPr dirty="0"/>
-              <a:t> col-lg- (large ≥992px)</a:t>
-            </a:r>
-          </a:p>
-          <a:p>
-            <a:r>
-              <a:rPr dirty="0"/>
-              <a:t> col-xl- (extra large ≥1200px)</a:t>
-            </a:r>
-          </a:p>
-          <a:p>
-            <a:r>
-              <a:rPr dirty="0"/>
-              <a:t> col-</a:t>
-            </a:r>
-            <a:r>
-              <a:rPr dirty="0" err="1"/>
-              <a:t>xxl</a:t>
-            </a:r>
-            <a:r>
-              <a:rPr dirty="0"/>
-              <a:t>- (extra extra large ≥1400px)</a:t>
-            </a:r>
+              <a:rPr lang="en-US" dirty="0"/>
+              <a:t>A container is the main layout wrapper in Bootstrap.</a:t>
+            </a:r>
+          </a:p>
+          <a:p>
+            <a:r>
+              <a:rPr lang="en-US" dirty="0"/>
+              <a:t>It aligns content properly on the page.</a:t>
+            </a:r>
+          </a:p>
+          <a:p>
+            <a:r>
+              <a:rPr lang="en-US" dirty="0"/>
+              <a:t>It provides responsive padding and margin.</a:t>
+            </a:r>
+          </a:p>
+          <a:p>
+            <a:r>
+              <a:rPr lang="en-US" dirty="0"/>
+              <a:t>It is required for using the Bootstrap grid system.</a:t>
+            </a:r>
+          </a:p>
+          <a:p>
+            <a:endParaRPr lang="en-US" dirty="0"/>
           </a:p>
         </p:txBody>
       </p:sp>
     </p:spTree>
+    <p:extLst>
+      <p:ext uri="{BB962C8B-B14F-4D97-AF65-F5344CB8AC3E}">
+        <p14:creationId xmlns:p14="http://schemas.microsoft.com/office/powerpoint/2010/main" val="1839996493"/>
+      </p:ext>
+    </p:extLst>
   </p:cSld>
   <p:clrMapOvr>
     <a:masterClrMapping/>
   </p:clrMapOvr>
-  <mc:AlternateContent xmlns:mc="http://schemas.openxmlformats.org/markup-compatibility/2006" xmlns:p15="http://schemas.microsoft.com/office/powerpoint/2012/main">
-    <mc:Choice Requires="p15">
-      <p:transition xmlns:p14="http://schemas.microsoft.com/office/powerpoint/2010/main" spd="slow" p14:dur="1250">
-        <p15:prstTrans prst="airplane"/>
-      </p:transition>
-    </mc:Choice>
-    <mc:Fallback xmlns="">
-      <p:transition spd="slow">
-        <p:fade/>
-      </p:transition>
-    </mc:Fallback>
-  </mc:AlternateContent>
 </p:sld>
 </file>
 
@@ -6874,15 +7629,197 @@
         </p:blipFill>
         <p:spPr>
           <a:xfrm>
-            <a:off x="696418" y="1727190"/>
+            <a:off x="453349" y="1242267"/>
             <a:ext cx="10276382" cy="4373466"/>
           </a:xfrm>
         </p:spPr>
       </p:pic>
+      <p:sp>
+        <p:nvSpPr>
+          <p:cNvPr id="4" name="TextBox 3">
+            <a:extLst>
+              <a:ext uri="{FF2B5EF4-FFF2-40B4-BE49-F238E27FC236}">
+                <a16:creationId xmlns:a16="http://schemas.microsoft.com/office/drawing/2014/main" id="{E8378772-1A73-FD2E-6299-637B5386AD32}"/>
+              </a:ext>
+            </a:extLst>
+          </p:cNvPr>
+          <p:cNvSpPr txBox="1"/>
+          <p:nvPr/>
+        </p:nvSpPr>
+        <p:spPr>
+          <a:xfrm>
+            <a:off x="646111" y="5817601"/>
+            <a:ext cx="6094070" cy="923330"/>
+          </a:xfrm>
+          <a:prstGeom prst="rect">
+            <a:avLst/>
+          </a:prstGeom>
+          <a:noFill/>
+        </p:spPr>
+        <p:txBody>
+          <a:bodyPr wrap="square">
+            <a:spAutoFit/>
+          </a:bodyPr>
+          <a:lstStyle/>
+          <a:p>
+            <a:r>
+              <a:rPr lang="en-US" dirty="0"/>
+              <a:t>We use container and container fluid for 100% almost</a:t>
+            </a:r>
+          </a:p>
+          <a:p>
+            <a:r>
+              <a:rPr lang="en-US" dirty="0"/>
+              <a:t>container fluid for 100% and only container for </a:t>
+            </a:r>
+          </a:p>
+          <a:p>
+            <a:r>
+              <a:rPr lang="en-US" dirty="0"/>
+              <a:t>Container for mid part</a:t>
+            </a:r>
+          </a:p>
+        </p:txBody>
+      </p:sp>
     </p:spTree>
     <p:extLst>
       <p:ext uri="{BB962C8B-B14F-4D97-AF65-F5344CB8AC3E}">
         <p14:creationId xmlns:p14="http://schemas.microsoft.com/office/powerpoint/2010/main" val="3223769995"/>
+      </p:ext>
+    </p:extLst>
+  </p:cSld>
+  <p:clrMapOvr>
+    <a:masterClrMapping/>
+  </p:clrMapOvr>
+</p:sld>
+</file>
+
+<file path=ppt/slides/slide9.xml><?xml version="1.0" encoding="utf-8"?>
+<p:sld xmlns:a="http://schemas.openxmlformats.org/drawingml/2006/main" xmlns:r="http://schemas.openxmlformats.org/officeDocument/2006/relationships" xmlns:p="http://schemas.openxmlformats.org/presentationml/2006/main">
+  <p:cSld>
+    <p:spTree>
+      <p:nvGrpSpPr>
+        <p:cNvPr id="1" name=""/>
+        <p:cNvGrpSpPr/>
+        <p:nvPr/>
+      </p:nvGrpSpPr>
+      <p:grpSpPr>
+        <a:xfrm>
+          <a:off x="0" y="0"/>
+          <a:ext cx="0" cy="0"/>
+          <a:chOff x="0" y="0"/>
+          <a:chExt cx="0" cy="0"/>
+        </a:xfrm>
+      </p:grpSpPr>
+      <p:sp>
+        <p:nvSpPr>
+          <p:cNvPr id="2" name="Title 1">
+            <a:extLst>
+              <a:ext uri="{FF2B5EF4-FFF2-40B4-BE49-F238E27FC236}">
+                <a16:creationId xmlns:a16="http://schemas.microsoft.com/office/drawing/2014/main" id="{25AECE76-946B-676D-87F8-14B11BBC3AD1}"/>
+              </a:ext>
+            </a:extLst>
+          </p:cNvPr>
+          <p:cNvSpPr>
+            <a:spLocks noGrp="1"/>
+          </p:cNvSpPr>
+          <p:nvPr>
+            <p:ph type="title"/>
+          </p:nvPr>
+        </p:nvSpPr>
+        <p:spPr/>
+        <p:txBody>
+          <a:bodyPr/>
+          <a:lstStyle/>
+          <a:p>
+            <a:r>
+              <a:rPr lang="en-US" dirty="0"/>
+              <a:t>Grid:</a:t>
+            </a:r>
+          </a:p>
+        </p:txBody>
+      </p:sp>
+      <p:sp>
+        <p:nvSpPr>
+          <p:cNvPr id="3" name="Content Placeholder 2">
+            <a:extLst>
+              <a:ext uri="{FF2B5EF4-FFF2-40B4-BE49-F238E27FC236}">
+                <a16:creationId xmlns:a16="http://schemas.microsoft.com/office/drawing/2014/main" id="{767C2BF1-48B3-FD91-164D-FCA4B30FA599}"/>
+              </a:ext>
+            </a:extLst>
+          </p:cNvPr>
+          <p:cNvSpPr>
+            <a:spLocks noGrp="1"/>
+          </p:cNvSpPr>
+          <p:nvPr>
+            <p:ph idx="1"/>
+          </p:nvPr>
+        </p:nvSpPr>
+        <p:spPr/>
+        <p:txBody>
+          <a:bodyPr/>
+          <a:lstStyle/>
+          <a:p>
+            <a:r>
+              <a:rPr lang="en-US" b="1" dirty="0"/>
+              <a:t>What is the Grid System?</a:t>
+            </a:r>
+          </a:p>
+          <a:p>
+            <a:r>
+              <a:rPr lang="en-US" dirty="0"/>
+              <a:t>The Bootstrap Grid System is a layout system that allows you to create responsive web page layouts using rows and columns.</a:t>
+            </a:r>
+          </a:p>
+          <a:p>
+            <a:r>
+              <a:rPr lang="en-US" dirty="0"/>
+              <a:t>It is based on a </a:t>
+            </a:r>
+            <a:r>
+              <a:rPr lang="en-US" b="1" dirty="0"/>
+              <a:t>12-column system</a:t>
+            </a:r>
+            <a:r>
+              <a:rPr lang="en-US" dirty="0"/>
+              <a:t>.</a:t>
+            </a:r>
+          </a:p>
+          <a:p>
+            <a:r>
+              <a:rPr lang="en-US" dirty="0"/>
+              <a:t>This means:</a:t>
+            </a:r>
+          </a:p>
+          <a:p>
+            <a:pPr>
+              <a:buFont typeface="Arial" panose="020B0604020202020204" pitchFamily="34" charset="0"/>
+              <a:buChar char="•"/>
+            </a:pPr>
+            <a:r>
+              <a:rPr lang="en-US" dirty="0"/>
+              <a:t>Each row is divided into 12 columns.</a:t>
+            </a:r>
+          </a:p>
+          <a:p>
+            <a:pPr>
+              <a:buFont typeface="Arial" panose="020B0604020202020204" pitchFamily="34" charset="0"/>
+              <a:buChar char="•"/>
+            </a:pPr>
+            <a:r>
+              <a:rPr lang="en-US" dirty="0"/>
+              <a:t>You can combine these columns in different ways to create layouts.</a:t>
+            </a:r>
+          </a:p>
+          <a:p>
+            <a:endParaRPr lang="en-US" dirty="0"/>
+          </a:p>
+        </p:txBody>
+      </p:sp>
+    </p:spTree>
+    <p:extLst>
+      <p:ext uri="{BB962C8B-B14F-4D97-AF65-F5344CB8AC3E}">
+        <p14:creationId xmlns:p14="http://schemas.microsoft.com/office/powerpoint/2010/main" val="2897214531"/>
       </p:ext>
     </p:extLst>
   </p:cSld>
@@ -7156,4 +8093,319 @@
     </a:ext>
   </a:extLst>
 </a:theme>
+</file>
+
+<file path=ppt/theme/theme2.xml><?xml version="1.0" encoding="utf-8"?>
+<a:theme xmlns:a="http://schemas.openxmlformats.org/drawingml/2006/main" name="Office Theme">
+  <a:themeElements>
+    <a:clrScheme name="Office">
+      <a:dk1>
+        <a:sysClr val="windowText" lastClr="000000"/>
+      </a:dk1>
+      <a:lt1>
+        <a:sysClr val="window" lastClr="FFFFFF"/>
+      </a:lt1>
+      <a:dk2>
+        <a:srgbClr val="0E2841"/>
+      </a:dk2>
+      <a:lt2>
+        <a:srgbClr val="E8E8E8"/>
+      </a:lt2>
+      <a:accent1>
+        <a:srgbClr val="156082"/>
+      </a:accent1>
+      <a:accent2>
+        <a:srgbClr val="E97132"/>
+      </a:accent2>
+      <a:accent3>
+        <a:srgbClr val="196B24"/>
+      </a:accent3>
+      <a:accent4>
+        <a:srgbClr val="0F9ED5"/>
+      </a:accent4>
+      <a:accent5>
+        <a:srgbClr val="A02B93"/>
+      </a:accent5>
+      <a:accent6>
+        <a:srgbClr val="4EA72E"/>
+      </a:accent6>
+      <a:hlink>
+        <a:srgbClr val="467886"/>
+      </a:hlink>
+      <a:folHlink>
+        <a:srgbClr val="96607D"/>
+      </a:folHlink>
+    </a:clrScheme>
+    <a:fontScheme name="Office">
+      <a:majorFont>
+        <a:latin typeface="Aptos Display" panose="02110004020202020204"/>
+        <a:ea typeface=""/>
+        <a:cs typeface=""/>
+        <a:font script="Jpan" typeface="游ゴシック Light"/>
+        <a:font script="Hang" typeface="맑은 고딕"/>
+        <a:font script="Hans" typeface="等线 Light"/>
+        <a:font script="Hant" typeface="新細明體"/>
+        <a:font script="Arab" typeface="Times New Roman"/>
+        <a:font script="Hebr" typeface="Times New Roman"/>
+        <a:font script="Thai" typeface="Angsana New"/>
+        <a:font script="Ethi" typeface="Nyala"/>
+        <a:font script="Beng" typeface="Vrinda"/>
+        <a:font script="Gujr" typeface="Shruti"/>
+        <a:font script="Khmr" typeface="MoolBoran"/>
+        <a:font script="Knda" typeface="Tunga"/>
+        <a:font script="Guru" typeface="Raavi"/>
+        <a:font script="Cans" typeface="Euphemia"/>
+        <a:font script="Cher" typeface="Plantagenet Cherokee"/>
+        <a:font script="Yiii" typeface="Microsoft Yi Baiti"/>
+        <a:font script="Tibt" typeface="Microsoft Himalaya"/>
+        <a:font script="Thaa" typeface="MV Boli"/>
+        <a:font script="Deva" typeface="Mangal"/>
+        <a:font script="Telu" typeface="Gautami"/>
+        <a:font script="Taml" typeface="Latha"/>
+        <a:font script="Syrc" typeface="Estrangelo Edessa"/>
+        <a:font script="Orya" typeface="Kalinga"/>
+        <a:font script="Mlym" typeface="Kartika"/>
+        <a:font script="Laoo" typeface="DokChampa"/>
+        <a:font script="Sinh" typeface="Iskoola Pota"/>
+        <a:font script="Mong" typeface="Mongolian Baiti"/>
+        <a:font script="Viet" typeface="Times New Roman"/>
+        <a:font script="Uigh" typeface="Microsoft Uighur"/>
+        <a:font script="Geor" typeface="Sylfaen"/>
+        <a:font script="Armn" typeface="Arial"/>
+        <a:font script="Bugi" typeface="Leelawadee UI"/>
+        <a:font script="Bopo" typeface="Microsoft JhengHei"/>
+        <a:font script="Java" typeface="Javanese Text"/>
+        <a:font script="Lisu" typeface="Segoe UI"/>
+        <a:font script="Mymr" typeface="Myanmar Text"/>
+        <a:font script="Nkoo" typeface="Ebrima"/>
+        <a:font script="Olck" typeface="Nirmala UI"/>
+        <a:font script="Osma" typeface="Ebrima"/>
+        <a:font script="Phag" typeface="Phagspa"/>
+        <a:font script="Syrn" typeface="Estrangelo Edessa"/>
+        <a:font script="Syrj" typeface="Estrangelo Edessa"/>
+        <a:font script="Syre" typeface="Estrangelo Edessa"/>
+        <a:font script="Sora" typeface="Nirmala UI"/>
+        <a:font script="Tale" typeface="Microsoft Tai Le"/>
+        <a:font script="Talu" typeface="Microsoft New Tai Lue"/>
+        <a:font script="Tfng" typeface="Ebrima"/>
+      </a:majorFont>
+      <a:minorFont>
+        <a:latin typeface="Aptos" panose="02110004020202020204"/>
+        <a:ea typeface=""/>
+        <a:cs typeface=""/>
+        <a:font script="Jpan" typeface="游ゴシック"/>
+        <a:font script="Hang" typeface="맑은 고딕"/>
+        <a:font script="Hans" typeface="等线"/>
+        <a:font script="Hant" typeface="新細明體"/>
+        <a:font script="Arab" typeface="Arial"/>
+        <a:font script="Hebr" typeface="Arial"/>
+        <a:font script="Thai" typeface="Cordia New"/>
+        <a:font script="Ethi" typeface="Nyala"/>
+        <a:font script="Beng" typeface="Vrinda"/>
+        <a:font script="Gujr" typeface="Shruti"/>
+        <a:font script="Khmr" typeface="DaunPenh"/>
+        <a:font script="Knda" typeface="Tunga"/>
+        <a:font script="Guru" typeface="Raavi"/>
+        <a:font script="Cans" typeface="Euphemia"/>
+        <a:font script="Cher" typeface="Plantagenet Cherokee"/>
+        <a:font script="Yiii" typeface="Microsoft Yi Baiti"/>
+        <a:font script="Tibt" typeface="Microsoft Himalaya"/>
+        <a:font script="Thaa" typeface="MV Boli"/>
+        <a:font script="Deva" typeface="Mangal"/>
+        <a:font script="Telu" typeface="Gautami"/>
+        <a:font script="Taml" typeface="Latha"/>
+        <a:font script="Syrc" typeface="Estrangelo Edessa"/>
+        <a:font script="Orya" typeface="Kalinga"/>
+        <a:font script="Mlym" typeface="Kartika"/>
+        <a:font script="Laoo" typeface="DokChampa"/>
+        <a:font script="Sinh" typeface="Iskoola Pota"/>
+        <a:font script="Mong" typeface="Mongolian Baiti"/>
+        <a:font script="Viet" typeface="Arial"/>
+        <a:font script="Uigh" typeface="Microsoft Uighur"/>
+        <a:font script="Geor" typeface="Sylfaen"/>
+        <a:font script="Armn" typeface="Arial"/>
+        <a:font script="Bugi" typeface="Leelawadee UI"/>
+        <a:font script="Bopo" typeface="Microsoft JhengHei"/>
+        <a:font script="Java" typeface="Javanese Text"/>
+        <a:font script="Lisu" typeface="Segoe UI"/>
+        <a:font script="Mymr" typeface="Myanmar Text"/>
+        <a:font script="Nkoo" typeface="Ebrima"/>
+        <a:font script="Olck" typeface="Nirmala UI"/>
+        <a:font script="Osma" typeface="Ebrima"/>
+        <a:font script="Phag" typeface="Phagspa"/>
+        <a:font script="Syrn" typeface="Estrangelo Edessa"/>
+        <a:font script="Syrj" typeface="Estrangelo Edessa"/>
+        <a:font script="Syre" typeface="Estrangelo Edessa"/>
+        <a:font script="Sora" typeface="Nirmala UI"/>
+        <a:font script="Tale" typeface="Microsoft Tai Le"/>
+        <a:font script="Talu" typeface="Microsoft New Tai Lue"/>
+        <a:font script="Tfng" typeface="Ebrima"/>
+      </a:minorFont>
+    </a:fontScheme>
+    <a:fmtScheme name="Office">
+      <a:fillStyleLst>
+        <a:solidFill>
+          <a:schemeClr val="phClr"/>
+        </a:solidFill>
+        <a:gradFill rotWithShape="1">
+          <a:gsLst>
+            <a:gs pos="0">
+              <a:schemeClr val="phClr">
+                <a:lumMod val="110000"/>
+                <a:satMod val="105000"/>
+                <a:tint val="67000"/>
+              </a:schemeClr>
+            </a:gs>
+            <a:gs pos="50000">
+              <a:schemeClr val="phClr">
+                <a:lumMod val="105000"/>
+                <a:satMod val="103000"/>
+                <a:tint val="73000"/>
+              </a:schemeClr>
+            </a:gs>
+            <a:gs pos="100000">
+              <a:schemeClr val="phClr">
+                <a:lumMod val="105000"/>
+                <a:satMod val="109000"/>
+                <a:tint val="81000"/>
+              </a:schemeClr>
+            </a:gs>
+          </a:gsLst>
+          <a:lin ang="5400000" scaled="0"/>
+        </a:gradFill>
+        <a:gradFill rotWithShape="1">
+          <a:gsLst>
+            <a:gs pos="0">
+              <a:schemeClr val="phClr">
+                <a:satMod val="103000"/>
+                <a:lumMod val="102000"/>
+                <a:tint val="94000"/>
+              </a:schemeClr>
+            </a:gs>
+            <a:gs pos="50000">
+              <a:schemeClr val="phClr">
+                <a:satMod val="110000"/>
+                <a:lumMod val="100000"/>
+                <a:shade val="100000"/>
+              </a:schemeClr>
+            </a:gs>
+            <a:gs pos="100000">
+              <a:schemeClr val="phClr">
+                <a:lumMod val="99000"/>
+                <a:satMod val="120000"/>
+                <a:shade val="78000"/>
+              </a:schemeClr>
+            </a:gs>
+          </a:gsLst>
+          <a:lin ang="5400000" scaled="0"/>
+        </a:gradFill>
+      </a:fillStyleLst>
+      <a:lnStyleLst>
+        <a:ln w="12700" cap="flat" cmpd="sng" algn="ctr">
+          <a:solidFill>
+            <a:schemeClr val="phClr"/>
+          </a:solidFill>
+          <a:prstDash val="solid"/>
+          <a:miter lim="800000"/>
+        </a:ln>
+        <a:ln w="19050" cap="flat" cmpd="sng" algn="ctr">
+          <a:solidFill>
+            <a:schemeClr val="phClr"/>
+          </a:solidFill>
+          <a:prstDash val="solid"/>
+          <a:miter lim="800000"/>
+        </a:ln>
+        <a:ln w="25400" cap="flat" cmpd="sng" algn="ctr">
+          <a:solidFill>
+            <a:schemeClr val="phClr"/>
+          </a:solidFill>
+          <a:prstDash val="solid"/>
+          <a:miter lim="800000"/>
+        </a:ln>
+      </a:lnStyleLst>
+      <a:effectStyleLst>
+        <a:effectStyle>
+          <a:effectLst/>
+        </a:effectStyle>
+        <a:effectStyle>
+          <a:effectLst/>
+        </a:effectStyle>
+        <a:effectStyle>
+          <a:effectLst>
+            <a:outerShdw blurRad="57150" dist="19050" dir="5400000" algn="ctr" rotWithShape="0">
+              <a:srgbClr val="000000">
+                <a:alpha val="63000"/>
+              </a:srgbClr>
+            </a:outerShdw>
+          </a:effectLst>
+        </a:effectStyle>
+      </a:effectStyleLst>
+      <a:bgFillStyleLst>
+        <a:solidFill>
+          <a:schemeClr val="phClr"/>
+        </a:solidFill>
+        <a:solidFill>
+          <a:schemeClr val="phClr">
+            <a:tint val="95000"/>
+            <a:satMod val="170000"/>
+          </a:schemeClr>
+        </a:solidFill>
+        <a:gradFill rotWithShape="1">
+          <a:gsLst>
+            <a:gs pos="0">
+              <a:schemeClr val="phClr">
+                <a:tint val="93000"/>
+                <a:satMod val="150000"/>
+                <a:shade val="98000"/>
+                <a:lumMod val="102000"/>
+              </a:schemeClr>
+            </a:gs>
+            <a:gs pos="50000">
+              <a:schemeClr val="phClr">
+                <a:tint val="98000"/>
+                <a:satMod val="130000"/>
+                <a:shade val="90000"/>
+                <a:lumMod val="103000"/>
+              </a:schemeClr>
+            </a:gs>
+            <a:gs pos="100000">
+              <a:schemeClr val="phClr">
+                <a:shade val="63000"/>
+                <a:satMod val="120000"/>
+              </a:schemeClr>
+            </a:gs>
+          </a:gsLst>
+          <a:lin ang="5400000" scaled="0"/>
+        </a:gradFill>
+      </a:bgFillStyleLst>
+    </a:fmtScheme>
+  </a:themeElements>
+  <a:objectDefaults>
+    <a:lnDef>
+      <a:spPr/>
+      <a:bodyPr/>
+      <a:lstStyle/>
+      <a:style>
+        <a:lnRef idx="2">
+          <a:schemeClr val="accent1"/>
+        </a:lnRef>
+        <a:fillRef idx="0">
+          <a:schemeClr val="accent1"/>
+        </a:fillRef>
+        <a:effectRef idx="1">
+          <a:schemeClr val="accent1"/>
+        </a:effectRef>
+        <a:fontRef idx="minor">
+          <a:schemeClr val="tx1"/>
+        </a:fontRef>
+      </a:style>
+    </a:lnDef>
+  </a:objectDefaults>
+  <a:extraClrSchemeLst/>
+  <a:extLst>
+    <a:ext uri="{05A4C25C-085E-4340-85A3-A5531E510DB2}">
+      <thm15:themeFamily xmlns:thm15="http://schemas.microsoft.com/office/thememl/2012/main" name="Office Theme" id="{2E142A2C-CD16-42D6-873A-C26D2A0506FA}" vid="{1BDDFF52-6CD6-40A5-AB3C-68EB2F1E4D0A}"/>
+    </a:ext>
+  </a:extLst>
+</a:theme>
 </file>